--- a/vorlagen und ideen/Json.pptx
+++ b/vorlagen und ideen/Json.pptx
@@ -3336,7 +3336,7 @@
         <p:spPr>
           <a:xfrm>
             <a:off x="649995" y="451692"/>
-            <a:ext cx="2474332" cy="4247317"/>
+            <a:ext cx="2442272" cy="5632311"/>
           </a:xfrm>
           <a:prstGeom prst="rect">
             <a:avLst/>
@@ -3350,10 +3350,6 @@
           <a:lstStyle/>
           <a:p>
             <a:r>
-              <a:rPr lang="de-DE" dirty="0"/>
-              <a:t>JSON (</a:t>
-            </a:r>
-            <a:r>
               <a:rPr lang="de-DE" dirty="0" err="1"/>
               <a:t>tasks</a:t>
             </a:r>
@@ -3376,7 +3372,7 @@
             </a:r>
             <a:r>
               <a:rPr lang="de-DE" dirty="0"/>
-              <a:t>=[],</a:t>
+              <a:t>=‘‘,</a:t>
             </a:r>
           </a:p>
           <a:p>
@@ -3385,16 +3381,7 @@
           <a:p>
             <a:r>
               <a:rPr lang="de-DE" dirty="0"/>
-              <a:t>	title=[],</a:t>
-            </a:r>
-          </a:p>
-          <a:p>
-            <a:endParaRPr lang="de-DE" dirty="0"/>
-          </a:p>
-          <a:p>
-            <a:r>
-              <a:rPr lang="de-DE" dirty="0"/>
-              <a:t>	due-date=[],</a:t>
+              <a:t>	title=‘‘,</a:t>
             </a:r>
           </a:p>
           <a:p>
@@ -3407,12 +3394,15 @@
             </a:r>
             <a:r>
               <a:rPr lang="de-DE" dirty="0" err="1"/>
-              <a:t>category</a:t>
+              <a:t>dueDate</a:t>
             </a:r>
             <a:r>
               <a:rPr lang="de-DE" dirty="0"/>
-              <a:t>=[],</a:t>
-            </a:r>
+              <a:t>=‘‘,</a:t>
+            </a:r>
+          </a:p>
+          <a:p>
+            <a:endParaRPr lang="de-DE" dirty="0"/>
           </a:p>
           <a:p>
             <a:endParaRPr lang="de-DE" dirty="0"/>
@@ -3424,12 +3414,15 @@
             </a:r>
             <a:r>
               <a:rPr lang="de-DE" dirty="0" err="1"/>
-              <a:t>urgency</a:t>
+              <a:t>category</a:t>
             </a:r>
             <a:r>
               <a:rPr lang="de-DE" dirty="0"/>
-              <a:t>=[],</a:t>
-            </a:r>
+              <a:t>=‘‘,</a:t>
+            </a:r>
+          </a:p>
+          <a:p>
+            <a:endParaRPr lang="de-DE" dirty="0"/>
           </a:p>
           <a:p>
             <a:endParaRPr lang="de-DE" dirty="0"/>
@@ -3441,11 +3434,31 @@
             </a:r>
             <a:r>
               <a:rPr lang="de-DE" dirty="0" err="1"/>
+              <a:t>urgency</a:t>
+            </a:r>
+            <a:r>
+              <a:rPr lang="de-DE" dirty="0"/>
+              <a:t>=‘‘,</a:t>
+            </a:r>
+          </a:p>
+          <a:p>
+            <a:endParaRPr lang="de-DE" dirty="0"/>
+          </a:p>
+          <a:p>
+            <a:endParaRPr lang="de-DE" dirty="0"/>
+          </a:p>
+          <a:p>
+            <a:r>
+              <a:rPr lang="de-DE" dirty="0"/>
+              <a:t>	</a:t>
+            </a:r>
+            <a:r>
+              <a:rPr lang="de-DE" dirty="0" err="1"/>
               <a:t>description</a:t>
             </a:r>
             <a:r>
               <a:rPr lang="de-DE" dirty="0"/>
-              <a:t>=[],</a:t>
+              <a:t>=‘‘,</a:t>
             </a:r>
           </a:p>
           <a:p>
@@ -3454,7 +3467,24 @@
           <a:p>
             <a:r>
               <a:rPr lang="de-DE" dirty="0"/>
-              <a:t>])</a:t>
+              <a:t>	</a:t>
+            </a:r>
+            <a:r>
+              <a:rPr lang="de-DE"/>
+              <a:t>s‚tatus</a:t>
+            </a:r>
+            <a:r>
+              <a:rPr lang="de-DE" dirty="0"/>
+              <a:t>=‘B3‘,</a:t>
+            </a:r>
+          </a:p>
+          <a:p>
+            <a:endParaRPr lang="de-DE" dirty="0"/>
+          </a:p>
+          <a:p>
+            <a:r>
+              <a:rPr lang="de-DE" dirty="0"/>
+              <a:t>]</a:t>
             </a:r>
           </a:p>
         </p:txBody>
